--- a/lecture notes/from Modeling to Continuous-time LQ/powerpoint_handouts (work in progress)/10-Discretization of State-Space System Models (imcmp-handout-dark) - pub.pptx
+++ b/lecture notes/from Modeling to Continuous-time LQ/powerpoint_handouts (work in progress)/10-Discretization of State-Space System Models (imcmp-handout-dark) - pub.pptx
@@ -717,7 +717,7 @@
           <a:p>
             <a:fld id="{1D8BD707-D9CF-40AE-B4C6-C98DA3205C09}" type="datetimeFigureOut">
               <a:rPr lang="en-US"/>
-              <a:t>10/5/2025</a:t>
+              <a:t>10/21/25</a:t>
             </a:fld>
             <a:endParaRPr lang="en-US"/>
           </a:p>
@@ -973,7 +973,7 @@
           <a:p>
             <a:fld id="{1D8BD707-D9CF-40AE-B4C6-C98DA3205C09}" type="datetimeFigureOut">
               <a:rPr lang="en-US"/>
-              <a:t>10/5/2025</a:t>
+              <a:t>10/21/25</a:t>
             </a:fld>
             <a:endParaRPr lang="en-US"/>
           </a:p>
@@ -1266,7 +1266,7 @@
           <a:p>
             <a:fld id="{1D8BD707-D9CF-40AE-B4C6-C98DA3205C09}" type="datetimeFigureOut">
               <a:rPr lang="en-US"/>
-              <a:t>10/5/2025</a:t>
+              <a:t>10/21/25</a:t>
             </a:fld>
             <a:endParaRPr lang="en-US"/>
           </a:p>
@@ -1493,7 +1493,7 @@
           <a:p>
             <a:fld id="{1D8BD707-D9CF-40AE-B4C6-C98DA3205C09}" type="datetimeFigureOut">
               <a:rPr lang="en-US"/>
-              <a:t>10/5/2025</a:t>
+              <a:t>10/21/25</a:t>
             </a:fld>
             <a:endParaRPr lang="en-US"/>
           </a:p>
@@ -1691,7 +1691,7 @@
           <a:p>
             <a:fld id="{1D8BD707-D9CF-40AE-B4C6-C98DA3205C09}" type="datetimeFigureOut">
               <a:rPr lang="en-US"/>
-              <a:t>10/5/2025</a:t>
+              <a:t>10/21/25</a:t>
             </a:fld>
             <a:endParaRPr lang="en-US"/>
           </a:p>
@@ -2045,7 +2045,7 @@
           <a:p>
             <a:fld id="{1D8BD707-D9CF-40AE-B4C6-C98DA3205C09}" type="datetimeFigureOut">
               <a:rPr lang="en-US"/>
-              <a:t>10/5/2025</a:t>
+              <a:t>10/21/25</a:t>
             </a:fld>
             <a:endParaRPr lang="en-US"/>
           </a:p>
@@ -2599,86 +2599,6 @@
       </p:grpSp>
       <p:sp>
         <p:nvSpPr>
-          <p:cNvPr id="6" name="object 6"/>
-          <p:cNvSpPr txBox="1">
-            <a:spLocks noGrp="1"/>
-          </p:cNvSpPr>
-          <p:nvPr>
-            <p:ph type="ftr" sz="quarter" idx="5"/>
-          </p:nvPr>
-        </p:nvSpPr>
-        <p:spPr>
-          <a:prstGeom prst="rect">
-            <a:avLst/>
-          </a:prstGeom>
-        </p:spPr>
-        <p:txBody>
-          <a:bodyPr vert="horz" wrap="square" lIns="0" tIns="24130" rIns="0" bIns="0" rtlCol="0">
-            <a:spAutoFit/>
-          </a:bodyPr>
-          <a:lstStyle/>
-          <a:p>
-            <a:pPr marL="12700">
-              <a:lnSpc>
-                <a:spcPct val="100000"/>
-              </a:lnSpc>
-              <a:spcBef>
-                <a:spcPts val="190"/>
-              </a:spcBef>
-            </a:pPr>
-            <a:r>
-              <a:rPr dirty="0"/>
-              <a:t>Mod</a:t>
-            </a:r>
-            <a:r>
-              <a:rPr spc="80" dirty="0"/>
-              <a:t> </a:t>
-            </a:r>
-            <a:r>
-              <a:rPr dirty="0"/>
-              <a:t>Ctrl</a:t>
-            </a:r>
-            <a:r>
-              <a:rPr spc="75" dirty="0"/>
-              <a:t> </a:t>
-            </a:r>
-            <a:r>
-              <a:rPr dirty="0"/>
-              <a:t>Intro</a:t>
-            </a:r>
-            <a:r>
-              <a:rPr spc="320" dirty="0"/>
-              <a:t> </a:t>
-            </a:r>
-            <a:r>
-              <a:rPr dirty="0"/>
-              <a:t>(w</a:t>
-            </a:r>
-            <a:r>
-              <a:rPr spc="75" dirty="0"/>
-              <a:t> </a:t>
-            </a:r>
-            <a:r>
-              <a:rPr dirty="0"/>
-              <a:t>Matlab</a:t>
-            </a:r>
-            <a:r>
-              <a:rPr spc="80" dirty="0"/>
-              <a:t> &amp;</a:t>
-            </a:r>
-            <a:r>
-              <a:rPr spc="75" dirty="0"/>
-              <a:t> </a:t>
-            </a:r>
-            <a:r>
-              <a:rPr spc="-10" dirty="0"/>
-              <a:t>Python)</a:t>
-            </a:r>
-          </a:p>
-        </p:txBody>
-      </p:sp>
-      <p:sp>
-        <p:nvSpPr>
           <p:cNvPr id="7" name="object 7"/>
           <p:cNvSpPr txBox="1"/>
           <p:nvPr/>
@@ -2784,6 +2704,113 @@
               <a:rPr spc="-35" dirty="0"/>
               <a:t>12</a:t>
             </a:r>
+          </a:p>
+        </p:txBody>
+      </p:sp>
+      <p:sp>
+        <p:nvSpPr>
+          <p:cNvPr id="9" name="object 4">
+            <a:extLst>
+              <a:ext uri="{FF2B5EF4-FFF2-40B4-BE49-F238E27FC236}">
+                <a16:creationId xmlns:a16="http://schemas.microsoft.com/office/drawing/2014/main" id="{89633385-6073-85E0-D38C-C203B3987EBF}"/>
+              </a:ext>
+            </a:extLst>
+          </p:cNvPr>
+          <p:cNvSpPr txBox="1">
+            <a:spLocks noGrp="1"/>
+          </p:cNvSpPr>
+          <p:nvPr>
+            <p:ph type="ftr" sz="quarter" idx="5"/>
+          </p:nvPr>
+        </p:nvSpPr>
+        <p:spPr>
+          <a:xfrm>
+            <a:off x="-61405" y="3322038"/>
+            <a:ext cx="2152650" cy="116699"/>
+          </a:xfrm>
+          <a:prstGeom prst="rect">
+            <a:avLst/>
+          </a:prstGeom>
+        </p:spPr>
+        <p:txBody>
+          <a:bodyPr vert="horz" wrap="square" lIns="0" tIns="24130" rIns="0" bIns="0" rtlCol="0">
+            <a:spAutoFit/>
+          </a:bodyPr>
+          <a:lstStyle/>
+          <a:p>
+            <a:pPr marL="12700" algn="ctr">
+              <a:lnSpc>
+                <a:spcPct val="100000"/>
+              </a:lnSpc>
+              <a:spcBef>
+                <a:spcPts val="190"/>
+              </a:spcBef>
+            </a:pPr>
+            <a:r>
+              <a:rPr dirty="0"/>
+              <a:t>Mod</a:t>
+            </a:r>
+            <a:r>
+              <a:rPr spc="80" dirty="0"/>
+              <a:t> </a:t>
+            </a:r>
+            <a:r>
+              <a:rPr dirty="0"/>
+              <a:t>Ctrl</a:t>
+            </a:r>
+            <a:r>
+              <a:rPr spc="75" dirty="0"/>
+              <a:t> </a:t>
+            </a:r>
+            <a:r>
+              <a:rPr dirty="0"/>
+              <a:t>Intr</a:t>
+            </a:r>
+            <a:r>
+              <a:rPr lang="en-US" dirty="0"/>
+              <a:t>o</a:t>
+            </a:r>
+            <a:r>
+              <a:rPr lang="en-US" spc="320" dirty="0"/>
+              <a:t> </a:t>
+            </a:r>
+            <a:r>
+              <a:rPr lang="en-US" dirty="0"/>
+              <a:t>(</a:t>
+            </a:r>
+            <a:r>
+              <a:rPr dirty="0"/>
+              <a:t>w</a:t>
+            </a:r>
+            <a:r>
+              <a:rPr spc="75" dirty="0"/>
+              <a:t> </a:t>
+            </a:r>
+            <a:r>
+              <a:rPr dirty="0"/>
+              <a:t>Matlab</a:t>
+            </a:r>
+            <a:r>
+              <a:rPr spc="80" dirty="0"/>
+              <a:t> &amp;</a:t>
+            </a:r>
+            <a:r>
+              <a:rPr spc="75" dirty="0"/>
+              <a:t> </a:t>
+            </a:r>
+            <a:r>
+              <a:rPr spc="-10" dirty="0"/>
+              <a:t>Python)</a:t>
+            </a:r>
+            <a:r>
+              <a:rPr lang="en-US" spc="-10" dirty="0"/>
+              <a:t>, Chen &amp; </a:t>
+            </a:r>
+            <a:r>
+              <a:rPr lang="en-US" spc="-10" dirty="0" err="1"/>
+              <a:t>Tomizuka</a:t>
+            </a:r>
+            <a:endParaRPr spc="-10" dirty="0"/>
           </a:p>
         </p:txBody>
       </p:sp>
@@ -4040,8 +4067,8 @@
           </a:p>
         </p:txBody>
       </p:sp>
-      <mc:AlternateContent xmlns:mc="http://schemas.openxmlformats.org/markup-compatibility/2006">
-        <mc:Choice xmlns:a14="http://schemas.microsoft.com/office/drawing/2010/main" Requires="a14">
+      <mc:AlternateContent xmlns:mc="http://schemas.openxmlformats.org/markup-compatibility/2006" xmlns:a14="http://schemas.microsoft.com/office/drawing/2010/main">
+        <mc:Choice Requires="a14">
           <p:sp>
             <p:nvSpPr>
               <p:cNvPr id="18" name="文本框 17">
@@ -4128,16 +4155,7 @@
                                   </a:solidFill>
                                   <a:latin typeface="Cambria Math" panose="02040503050406030204" pitchFamily="18" charset="0"/>
                                 </a:rPr>
-                                <m:t>+</m:t>
-                              </m:r>
-                              <m:r>
-                                <a:rPr lang="ar-AE" altLang="zh-CN" sz="1100">
-                                  <a:solidFill>
-                                    <a:schemeClr val="bg1"/>
-                                  </a:solidFill>
-                                  <a:latin typeface="Cambria Math" panose="02040503050406030204" pitchFamily="18" charset="0"/>
-                                </a:rPr>
-                                <m:t>1</m:t>
+                                <m:t>+1</m:t>
                               </m:r>
                             </m:e>
                           </m:d>
@@ -4568,7 +4586,7 @@
             </p:txBody>
           </p:sp>
         </mc:Choice>
-        <mc:Fallback>
+        <mc:Fallback xmlns="">
           <p:sp>
             <p:nvSpPr>
               <p:cNvPr id="18" name="文本框 17">
@@ -4983,8 +5001,8 @@
           </a:p>
         </p:txBody>
       </p:sp>
-      <mc:AlternateContent xmlns:mc="http://schemas.openxmlformats.org/markup-compatibility/2006">
-        <mc:Choice xmlns:a14="http://schemas.microsoft.com/office/drawing/2010/main" Requires="a14">
+      <mc:AlternateContent xmlns:mc="http://schemas.openxmlformats.org/markup-compatibility/2006" xmlns:a14="http://schemas.microsoft.com/office/drawing/2010/main">
+        <mc:Choice Requires="a14">
           <p:sp>
             <p:nvSpPr>
               <p:cNvPr id="46" name="文本框 45">
@@ -6364,6 +6382,7 @@
                 </a:endParaRPr>
               </a:p>
               <a:p>
+                <a:pPr/>
                 <a14:m>
                   <m:oMathPara xmlns:m="http://schemas.openxmlformats.org/officeDocument/2006/math">
                     <m:oMathParaPr>
@@ -6434,7 +6453,7 @@
             </p:txBody>
           </p:sp>
         </mc:Choice>
-        <mc:Fallback>
+        <mc:Fallback xmlns="">
           <p:sp>
             <p:nvSpPr>
               <p:cNvPr id="46" name="文本框 45">
@@ -8888,8 +8907,8 @@
           </a:p>
         </p:txBody>
       </p:sp>
-      <mc:AlternateContent xmlns:mc="http://schemas.openxmlformats.org/markup-compatibility/2006">
-        <mc:Choice xmlns:a14="http://schemas.microsoft.com/office/drawing/2010/main" Requires="a14">
+      <mc:AlternateContent xmlns:mc="http://schemas.openxmlformats.org/markup-compatibility/2006" xmlns:a14="http://schemas.microsoft.com/office/drawing/2010/main">
+        <mc:Choice Requires="a14">
           <p:sp>
             <p:nvSpPr>
               <p:cNvPr id="39" name="object 9">
@@ -9661,7 +9680,7 @@
             </p:txBody>
           </p:sp>
         </mc:Choice>
-        <mc:Fallback>
+        <mc:Fallback xmlns="">
           <p:sp>
             <p:nvSpPr>
               <p:cNvPr id="39" name="object 9">
@@ -10041,8 +10060,8 @@
           </a:p>
         </p:txBody>
       </p:sp>
-      <mc:AlternateContent xmlns:mc="http://schemas.openxmlformats.org/markup-compatibility/2006">
-        <mc:Choice xmlns:a14="http://schemas.microsoft.com/office/drawing/2010/main" Requires="a14">
+      <mc:AlternateContent xmlns:mc="http://schemas.openxmlformats.org/markup-compatibility/2006" xmlns:a14="http://schemas.microsoft.com/office/drawing/2010/main">
+        <mc:Choice Requires="a14">
           <p:sp>
             <p:nvSpPr>
               <p:cNvPr id="43" name="文本框 42">
@@ -10146,25 +10165,7 @@
                                   </a:solidFill>
                                   <a:latin typeface="Cambria Math" panose="02040503050406030204" pitchFamily="18" charset="0"/>
                                 </a:rPr>
-                                <m:t>99</m:t>
-                              </m:r>
-                              <m:r>
-                                <a:rPr lang="en-US" altLang="zh-CN" sz="1100" b="0" i="1" smtClean="0">
-                                  <a:solidFill>
-                                    <a:schemeClr val="bg1"/>
-                                  </a:solidFill>
-                                  <a:latin typeface="Cambria Math" panose="02040503050406030204" pitchFamily="18" charset="0"/>
-                                </a:rPr>
-                                <m:t>.</m:t>
-                              </m:r>
-                              <m:r>
-                                <a:rPr lang="en-US" altLang="zh-CN" sz="1100" b="0" i="1" smtClean="0">
-                                  <a:solidFill>
-                                    <a:schemeClr val="bg1"/>
-                                  </a:solidFill>
-                                  <a:latin typeface="Cambria Math" panose="02040503050406030204" pitchFamily="18" charset="0"/>
-                                </a:rPr>
-                                <m:t>8</m:t>
+                                <m:t>99.8</m:t>
                               </m:r>
                             </m:e>
                             <m:e>
@@ -10188,16 +10189,7 @@
                                   </a:solidFill>
                                   <a:latin typeface="Cambria Math" panose="02040503050406030204" pitchFamily="18" charset="0"/>
                                 </a:rPr>
-                                <m:t>−</m:t>
-                              </m:r>
-                              <m:r>
-                                <a:rPr lang="en-US" altLang="zh-CN" sz="1100" b="0" i="1" smtClean="0">
-                                  <a:solidFill>
-                                    <a:schemeClr val="bg1"/>
-                                  </a:solidFill>
-                                  <a:latin typeface="Cambria Math" panose="02040503050406030204" pitchFamily="18" charset="0"/>
-                                </a:rPr>
-                                <m:t>2000</m:t>
+                                <m:t>−2000</m:t>
                               </m:r>
                             </m:e>
                             <m:e>
@@ -10208,25 +10200,7 @@
                                   </a:solidFill>
                                   <a:latin typeface="Cambria Math" panose="02040503050406030204" pitchFamily="18" charset="0"/>
                                 </a:rPr>
-                                <m:t>99</m:t>
-                              </m:r>
-                              <m:r>
-                                <a:rPr lang="en-US" altLang="zh-CN" sz="1100" b="0" i="1" smtClean="0">
-                                  <a:solidFill>
-                                    <a:schemeClr val="bg1"/>
-                                  </a:solidFill>
-                                  <a:latin typeface="Cambria Math" panose="02040503050406030204" pitchFamily="18" charset="0"/>
-                                </a:rPr>
-                                <m:t>.</m:t>
-                              </m:r>
-                              <m:r>
-                                <a:rPr lang="en-US" altLang="zh-CN" sz="1100" b="0" i="1" smtClean="0">
-                                  <a:solidFill>
-                                    <a:schemeClr val="bg1"/>
-                                  </a:solidFill>
-                                  <a:latin typeface="Cambria Math" panose="02040503050406030204" pitchFamily="18" charset="0"/>
-                                </a:rPr>
-                                <m:t>8</m:t>
+                                <m:t>99.8</m:t>
                               </m:r>
                             </m:e>
                           </m:mr>
@@ -10240,34 +10214,7 @@
                         </a:solidFill>
                         <a:latin typeface="Cambria Math" panose="02040503050406030204" pitchFamily="18" charset="0"/>
                       </a:rPr>
-                      <m:t>=</m:t>
-                    </m:r>
-                    <m:r>
-                      <a:rPr lang="en-US" altLang="zh-CN" sz="1100" i="1" dirty="0" smtClean="0">
-                        <a:solidFill>
-                          <a:schemeClr val="bg1"/>
-                        </a:solidFill>
-                        <a:latin typeface="Cambria Math" panose="02040503050406030204" pitchFamily="18" charset="0"/>
-                      </a:rPr>
-                      <m:t>99</m:t>
-                    </m:r>
-                    <m:r>
-                      <a:rPr lang="en-US" altLang="zh-CN" sz="1100" i="1" dirty="0" smtClean="0">
-                        <a:solidFill>
-                          <a:schemeClr val="bg1"/>
-                        </a:solidFill>
-                        <a:latin typeface="Cambria Math" panose="02040503050406030204" pitchFamily="18" charset="0"/>
-                      </a:rPr>
-                      <m:t>.</m:t>
-                    </m:r>
-                    <m:r>
-                      <a:rPr lang="en-US" altLang="zh-CN" sz="1100" i="1" dirty="0" smtClean="0">
-                        <a:solidFill>
-                          <a:schemeClr val="bg1"/>
-                        </a:solidFill>
-                        <a:latin typeface="Cambria Math" panose="02040503050406030204" pitchFamily="18" charset="0"/>
-                      </a:rPr>
-                      <m:t>8</m:t>
+                      <m:t>=99.8</m:t>
                     </m:r>
                     <m:r>
                       <a:rPr lang="en-US" altLang="zh-CN" sz="1100" i="1" dirty="0" smtClean="0">
@@ -10285,16 +10232,7 @@
                         </a:solidFill>
                         <a:latin typeface="Cambria Math" panose="02040503050406030204" pitchFamily="18" charset="0"/>
                       </a:rPr>
-                      <m:t>+</m:t>
-                    </m:r>
-                    <m:r>
-                      <a:rPr lang="en-US" altLang="zh-CN" sz="1100" i="1" dirty="0" smtClean="0">
-                        <a:solidFill>
-                          <a:schemeClr val="bg1"/>
-                        </a:solidFill>
-                        <a:latin typeface="Cambria Math" panose="02040503050406030204" pitchFamily="18" charset="0"/>
-                      </a:rPr>
-                      <m:t>2000</m:t>
+                      <m:t>+2000</m:t>
                     </m:r>
                     <m:limUpp>
                       <m:limUppPr>
@@ -10390,16 +10328,7 @@
                                           </a:solidFill>
                                           <a:latin typeface="Cambria Math" panose="02040503050406030204" pitchFamily="18" charset="0"/>
                                         </a:rPr>
-                                        <m:t>−</m:t>
-                                      </m:r>
-                                      <m:r>
-                                        <a:rPr lang="en-US" altLang="zh-CN" sz="1100" b="0" i="1" smtClean="0">
-                                          <a:solidFill>
-                                            <a:schemeClr val="bg1"/>
-                                          </a:solidFill>
-                                          <a:latin typeface="Cambria Math" panose="02040503050406030204" pitchFamily="18" charset="0"/>
-                                        </a:rPr>
-                                        <m:t>1</m:t>
+                                        <m:t>−1</m:t>
                                       </m:r>
                                     </m:e>
                                     <m:e>
@@ -10443,7 +10372,7 @@
             </p:txBody>
           </p:sp>
         </mc:Choice>
-        <mc:Fallback>
+        <mc:Fallback xmlns="">
           <p:sp>
             <p:nvSpPr>
               <p:cNvPr id="43" name="文本框 42">
@@ -10488,8 +10417,8 @@
           </p:sp>
         </mc:Fallback>
       </mc:AlternateContent>
-      <mc:AlternateContent xmlns:mc="http://schemas.openxmlformats.org/markup-compatibility/2006">
-        <mc:Choice xmlns:a14="http://schemas.microsoft.com/office/drawing/2010/main" Requires="a14">
+      <mc:AlternateContent xmlns:mc="http://schemas.openxmlformats.org/markup-compatibility/2006" xmlns:a14="http://schemas.microsoft.com/office/drawing/2010/main">
+        <mc:Choice Requires="a14">
           <p:sp>
             <p:nvSpPr>
               <p:cNvPr id="44" name="文本框 43">
@@ -10593,25 +10522,7 @@
                                   </a:solidFill>
                                   <a:latin typeface="Cambria Math" panose="02040503050406030204" pitchFamily="18" charset="0"/>
                                 </a:rPr>
-                                <m:t>99</m:t>
-                              </m:r>
-                              <m:r>
-                                <a:rPr lang="en-US" altLang="zh-CN" sz="1100" b="0" i="1" smtClean="0">
-                                  <a:solidFill>
-                                    <a:schemeClr val="bg1"/>
-                                  </a:solidFill>
-                                  <a:latin typeface="Cambria Math" panose="02040503050406030204" pitchFamily="18" charset="0"/>
-                                </a:rPr>
-                                <m:t>.</m:t>
-                              </m:r>
-                              <m:r>
-                                <a:rPr lang="en-US" altLang="zh-CN" sz="1100" b="0" i="1" smtClean="0">
-                                  <a:solidFill>
-                                    <a:schemeClr val="bg1"/>
-                                  </a:solidFill>
-                                  <a:latin typeface="Cambria Math" panose="02040503050406030204" pitchFamily="18" charset="0"/>
-                                </a:rPr>
-                                <m:t>8</m:t>
+                                <m:t>99.8</m:t>
                               </m:r>
                             </m:e>
                             <m:e>
@@ -10635,16 +10546,7 @@
                                   </a:solidFill>
                                   <a:latin typeface="Cambria Math" panose="02040503050406030204" pitchFamily="18" charset="0"/>
                                 </a:rPr>
-                                <m:t>−</m:t>
-                              </m:r>
-                              <m:r>
-                                <a:rPr lang="en-US" altLang="zh-CN" sz="1100" b="0" i="1" smtClean="0">
-                                  <a:solidFill>
-                                    <a:schemeClr val="bg1"/>
-                                  </a:solidFill>
-                                  <a:latin typeface="Cambria Math" panose="02040503050406030204" pitchFamily="18" charset="0"/>
-                                </a:rPr>
-                                <m:t>2000</m:t>
+                                <m:t>−2000</m:t>
                               </m:r>
                             </m:e>
                             <m:e>
@@ -10655,25 +10557,7 @@
                                   </a:solidFill>
                                   <a:latin typeface="Cambria Math" panose="02040503050406030204" pitchFamily="18" charset="0"/>
                                 </a:rPr>
-                                <m:t>99</m:t>
-                              </m:r>
-                              <m:r>
-                                <a:rPr lang="en-US" altLang="zh-CN" sz="1100" b="0" i="1" smtClean="0">
-                                  <a:solidFill>
-                                    <a:schemeClr val="bg1"/>
-                                  </a:solidFill>
-                                  <a:latin typeface="Cambria Math" panose="02040503050406030204" pitchFamily="18" charset="0"/>
-                                </a:rPr>
-                                <m:t>.</m:t>
-                              </m:r>
-                              <m:r>
-                                <a:rPr lang="en-US" altLang="zh-CN" sz="1100" b="0" i="1" smtClean="0">
-                                  <a:solidFill>
-                                    <a:schemeClr val="bg1"/>
-                                  </a:solidFill>
-                                  <a:latin typeface="Cambria Math" panose="02040503050406030204" pitchFamily="18" charset="0"/>
-                                </a:rPr>
-                                <m:t>8</m:t>
+                                <m:t>99.8</m:t>
                               </m:r>
                             </m:e>
                           </m:mr>
@@ -10687,34 +10571,7 @@
                         </a:solidFill>
                         <a:latin typeface="Cambria Math" panose="02040503050406030204" pitchFamily="18" charset="0"/>
                       </a:rPr>
-                      <m:t>=</m:t>
-                    </m:r>
-                    <m:r>
-                      <a:rPr lang="en-US" altLang="zh-CN" sz="1100" i="1" dirty="0" smtClean="0">
-                        <a:solidFill>
-                          <a:schemeClr val="bg1"/>
-                        </a:solidFill>
-                        <a:latin typeface="Cambria Math" panose="02040503050406030204" pitchFamily="18" charset="0"/>
-                      </a:rPr>
-                      <m:t>99</m:t>
-                    </m:r>
-                    <m:r>
-                      <a:rPr lang="en-US" altLang="zh-CN" sz="1100" i="1" dirty="0" smtClean="0">
-                        <a:solidFill>
-                          <a:schemeClr val="bg1"/>
-                        </a:solidFill>
-                        <a:latin typeface="Cambria Math" panose="02040503050406030204" pitchFamily="18" charset="0"/>
-                      </a:rPr>
-                      <m:t>.</m:t>
-                    </m:r>
-                    <m:r>
-                      <a:rPr lang="en-US" altLang="zh-CN" sz="1100" i="1" dirty="0" smtClean="0">
-                        <a:solidFill>
-                          <a:schemeClr val="bg1"/>
-                        </a:solidFill>
-                        <a:latin typeface="Cambria Math" panose="02040503050406030204" pitchFamily="18" charset="0"/>
-                      </a:rPr>
-                      <m:t>8</m:t>
+                      <m:t>=99.8</m:t>
                     </m:r>
                     <m:r>
                       <a:rPr lang="en-US" altLang="zh-CN" sz="1100" i="1" dirty="0" smtClean="0">
@@ -10732,16 +10589,7 @@
                         </a:solidFill>
                         <a:latin typeface="Cambria Math" panose="02040503050406030204" pitchFamily="18" charset="0"/>
                       </a:rPr>
-                      <m:t>+</m:t>
-                    </m:r>
-                    <m:r>
-                      <a:rPr lang="en-US" altLang="zh-CN" sz="1100" i="1" dirty="0" smtClean="0">
-                        <a:solidFill>
-                          <a:schemeClr val="bg1"/>
-                        </a:solidFill>
-                        <a:latin typeface="Cambria Math" panose="02040503050406030204" pitchFamily="18" charset="0"/>
-                      </a:rPr>
-                      <m:t>2000</m:t>
+                      <m:t>+2000</m:t>
                     </m:r>
                     <m:d>
                       <m:dPr>
@@ -10810,16 +10658,7 @@
                                   </a:solidFill>
                                   <a:latin typeface="Cambria Math" panose="02040503050406030204" pitchFamily="18" charset="0"/>
                                 </a:rPr>
-                                <m:t>−</m:t>
-                              </m:r>
-                              <m:r>
-                                <a:rPr lang="en-US" altLang="zh-CN" sz="1100" b="0" i="1" smtClean="0">
-                                  <a:solidFill>
-                                    <a:schemeClr val="bg1"/>
-                                  </a:solidFill>
-                                  <a:latin typeface="Cambria Math" panose="02040503050406030204" pitchFamily="18" charset="0"/>
-                                </a:rPr>
-                                <m:t>1</m:t>
+                                <m:t>−1</m:t>
                               </m:r>
                             </m:e>
                             <m:e>
@@ -10846,6 +10685,7 @@
                 </a:endParaRPr>
               </a:p>
               <a:p>
+                <a:pPr/>
                 <a14:m>
                   <m:oMathPara xmlns:m="http://schemas.openxmlformats.org/officeDocument/2006/math">
                     <m:oMathParaPr>
@@ -10891,52 +10731,7 @@
                           </a:solidFill>
                           <a:latin typeface="Cambria Math" panose="02040503050406030204" pitchFamily="18" charset="0"/>
                         </a:rPr>
-                        <m:t>=</m:t>
-                      </m:r>
-                      <m:r>
-                        <a:rPr lang="en-US" altLang="zh-CN" sz="1100" b="0" i="1" smtClean="0">
-                          <a:solidFill>
-                            <a:schemeClr val="bg1"/>
-                          </a:solidFill>
-                          <a:latin typeface="Cambria Math" panose="02040503050406030204" pitchFamily="18" charset="0"/>
-                        </a:rPr>
-                        <m:t>99</m:t>
-                      </m:r>
-                      <m:r>
-                        <a:rPr lang="en-US" altLang="zh-CN" sz="1100" b="0" i="1" smtClean="0">
-                          <a:solidFill>
-                            <a:schemeClr val="bg1"/>
-                          </a:solidFill>
-                          <a:latin typeface="Cambria Math" panose="02040503050406030204" pitchFamily="18" charset="0"/>
-                        </a:rPr>
-                        <m:t>.</m:t>
-                      </m:r>
-                      <m:r>
-                        <a:rPr lang="en-US" altLang="zh-CN" sz="1100" b="0" i="1" smtClean="0">
-                          <a:solidFill>
-                            <a:schemeClr val="bg1"/>
-                          </a:solidFill>
-                          <a:latin typeface="Cambria Math" panose="02040503050406030204" pitchFamily="18" charset="0"/>
-                        </a:rPr>
-                        <m:t>8</m:t>
-                      </m:r>
-                      <m:r>
-                        <a:rPr lang="en-US" altLang="zh-CN" sz="1100" b="0" i="1" smtClean="0">
-                          <a:solidFill>
-                            <a:schemeClr val="bg1"/>
-                          </a:solidFill>
-                          <a:latin typeface="Cambria Math" panose="02040503050406030204" pitchFamily="18" charset="0"/>
-                        </a:rPr>
-                        <m:t>+</m:t>
-                      </m:r>
-                      <m:r>
-                        <a:rPr lang="en-US" altLang="zh-CN" sz="1100" b="0" i="1" smtClean="0">
-                          <a:solidFill>
-                            <a:schemeClr val="bg1"/>
-                          </a:solidFill>
-                          <a:latin typeface="Cambria Math" panose="02040503050406030204" pitchFamily="18" charset="0"/>
-                        </a:rPr>
-                        <m:t>2000</m:t>
+                        <m:t>=99.8+2000</m:t>
                       </m:r>
                       <m:r>
                         <a:rPr lang="en-US" altLang="zh-CN" sz="1100" b="0" i="1" smtClean="0">
@@ -11028,16 +10823,7 @@
                                         </a:solidFill>
                                         <a:latin typeface="Cambria Math" panose="02040503050406030204" pitchFamily="18" charset="0"/>
                                       </a:rPr>
-                                      <m:t>−</m:t>
-                                    </m:r>
-                                    <m:r>
-                                      <a:rPr lang="en-US" altLang="zh-CN" sz="1100" b="0" i="1" smtClean="0">
-                                        <a:solidFill>
-                                          <a:schemeClr val="bg1"/>
-                                        </a:solidFill>
-                                        <a:latin typeface="Cambria Math" panose="02040503050406030204" pitchFamily="18" charset="0"/>
-                                      </a:rPr>
-                                      <m:t>1</m:t>
+                                      <m:t>−1</m:t>
                                     </m:r>
                                   </m:e>
                                   <m:e>
@@ -11064,52 +10850,7 @@
                           </a:solidFill>
                           <a:latin typeface="Cambria Math" panose="02040503050406030204" pitchFamily="18" charset="0"/>
                         </a:rPr>
-                        <m:t>=</m:t>
-                      </m:r>
-                      <m:r>
-                        <a:rPr lang="en-US" altLang="zh-CN" sz="1100" b="0" i="1" smtClean="0">
-                          <a:solidFill>
-                            <a:schemeClr val="bg1"/>
-                          </a:solidFill>
-                          <a:latin typeface="Cambria Math" panose="02040503050406030204" pitchFamily="18" charset="0"/>
-                        </a:rPr>
-                        <m:t>99</m:t>
-                      </m:r>
-                      <m:r>
-                        <a:rPr lang="en-US" altLang="zh-CN" sz="1100" b="0" i="1" smtClean="0">
-                          <a:solidFill>
-                            <a:schemeClr val="bg1"/>
-                          </a:solidFill>
-                          <a:latin typeface="Cambria Math" panose="02040503050406030204" pitchFamily="18" charset="0"/>
-                        </a:rPr>
-                        <m:t>.</m:t>
-                      </m:r>
-                      <m:r>
-                        <a:rPr lang="en-US" altLang="zh-CN" sz="1100" b="0" i="1" smtClean="0">
-                          <a:solidFill>
-                            <a:schemeClr val="bg1"/>
-                          </a:solidFill>
-                          <a:latin typeface="Cambria Math" panose="02040503050406030204" pitchFamily="18" charset="0"/>
-                        </a:rPr>
-                        <m:t>8</m:t>
-                      </m:r>
-                      <m:r>
-                        <a:rPr lang="en-US" altLang="zh-CN" sz="1100" b="0" i="1" smtClean="0">
-                          <a:solidFill>
-                            <a:schemeClr val="bg1"/>
-                          </a:solidFill>
-                          <a:latin typeface="Cambria Math" panose="02040503050406030204" pitchFamily="18" charset="0"/>
-                        </a:rPr>
-                        <m:t>±</m:t>
-                      </m:r>
-                      <m:r>
-                        <a:rPr lang="en-US" altLang="zh-CN" sz="1100" b="0" i="1" smtClean="0">
-                          <a:solidFill>
-                            <a:schemeClr val="bg1"/>
-                          </a:solidFill>
-                          <a:latin typeface="Cambria Math" panose="02040503050406030204" pitchFamily="18" charset="0"/>
-                        </a:rPr>
-                        <m:t>2000</m:t>
+                        <m:t>=99.8±2000</m:t>
                       </m:r>
                       <m:r>
                         <a:rPr lang="en-US" altLang="zh-CN" sz="1100" b="0" i="1" smtClean="0">
@@ -11132,7 +10873,7 @@
             </p:txBody>
           </p:sp>
         </mc:Choice>
-        <mc:Fallback>
+        <mc:Fallback xmlns="">
           <p:sp>
             <p:nvSpPr>
               <p:cNvPr id="44" name="文本框 43">
@@ -12447,8 +12188,8 @@
           </a:p>
         </p:txBody>
       </p:sp>
-      <mc:AlternateContent xmlns:mc="http://schemas.openxmlformats.org/markup-compatibility/2006">
-        <mc:Choice xmlns:a14="http://schemas.microsoft.com/office/drawing/2010/main" Requires="a14">
+      <mc:AlternateContent xmlns:mc="http://schemas.openxmlformats.org/markup-compatibility/2006" xmlns:a14="http://schemas.microsoft.com/office/drawing/2010/main">
+        <mc:Choice Requires="a14">
           <p:sp>
             <p:nvSpPr>
               <p:cNvPr id="22" name="文本框 21">
@@ -12552,25 +12293,7 @@
                                   </a:solidFill>
                                   <a:latin typeface="Cambria Math" panose="02040503050406030204" pitchFamily="18" charset="0"/>
                                 </a:rPr>
-                                <m:t>99</m:t>
-                              </m:r>
-                              <m:r>
-                                <a:rPr lang="en-US" altLang="zh-CN" sz="1100" b="0" i="1" smtClean="0">
-                                  <a:solidFill>
-                                    <a:schemeClr val="bg1"/>
-                                  </a:solidFill>
-                                  <a:latin typeface="Cambria Math" panose="02040503050406030204" pitchFamily="18" charset="0"/>
-                                </a:rPr>
-                                <m:t>.</m:t>
-                              </m:r>
-                              <m:r>
-                                <a:rPr lang="en-US" altLang="zh-CN" sz="1100" b="0" i="1" smtClean="0">
-                                  <a:solidFill>
-                                    <a:schemeClr val="bg1"/>
-                                  </a:solidFill>
-                                  <a:latin typeface="Cambria Math" panose="02040503050406030204" pitchFamily="18" charset="0"/>
-                                </a:rPr>
-                                <m:t>8</m:t>
+                                <m:t>99.8</m:t>
                               </m:r>
                             </m:e>
                             <m:e>
@@ -12594,16 +12317,7 @@
                                   </a:solidFill>
                                   <a:latin typeface="Cambria Math" panose="02040503050406030204" pitchFamily="18" charset="0"/>
                                 </a:rPr>
-                                <m:t>−</m:t>
-                              </m:r>
-                              <m:r>
-                                <a:rPr lang="en-US" altLang="zh-CN" sz="1100" b="0" i="1" smtClean="0">
-                                  <a:solidFill>
-                                    <a:schemeClr val="bg1"/>
-                                  </a:solidFill>
-                                  <a:latin typeface="Cambria Math" panose="02040503050406030204" pitchFamily="18" charset="0"/>
-                                </a:rPr>
-                                <m:t>2000</m:t>
+                                <m:t>−2000</m:t>
                               </m:r>
                             </m:e>
                             <m:e>
@@ -12614,25 +12328,7 @@
                                   </a:solidFill>
                                   <a:latin typeface="Cambria Math" panose="02040503050406030204" pitchFamily="18" charset="0"/>
                                 </a:rPr>
-                                <m:t>99</m:t>
-                              </m:r>
-                              <m:r>
-                                <a:rPr lang="en-US" altLang="zh-CN" sz="1100" b="0" i="1" smtClean="0">
-                                  <a:solidFill>
-                                    <a:schemeClr val="bg1"/>
-                                  </a:solidFill>
-                                  <a:latin typeface="Cambria Math" panose="02040503050406030204" pitchFamily="18" charset="0"/>
-                                </a:rPr>
-                                <m:t>.</m:t>
-                              </m:r>
-                              <m:r>
-                                <a:rPr lang="en-US" altLang="zh-CN" sz="1100" b="0" i="1" smtClean="0">
-                                  <a:solidFill>
-                                    <a:schemeClr val="bg1"/>
-                                  </a:solidFill>
-                                  <a:latin typeface="Cambria Math" panose="02040503050406030204" pitchFamily="18" charset="0"/>
-                                </a:rPr>
-                                <m:t>8</m:t>
+                                <m:t>99.8</m:t>
                               </m:r>
                             </m:e>
                           </m:mr>
@@ -12646,7 +12342,7 @@
             </p:txBody>
           </p:sp>
         </mc:Choice>
-        <mc:Fallback>
+        <mc:Fallback xmlns="">
           <p:sp>
             <p:nvSpPr>
               <p:cNvPr id="22" name="文本框 21">
@@ -26448,8 +26144,8 @@
           </a:p>
         </p:txBody>
       </p:sp>
-      <mc:AlternateContent xmlns:mc="http://schemas.openxmlformats.org/markup-compatibility/2006">
-        <mc:Choice xmlns:a14="http://schemas.microsoft.com/office/drawing/2010/main" Requires="a14">
+      <mc:AlternateContent xmlns:mc="http://schemas.openxmlformats.org/markup-compatibility/2006" xmlns:a14="http://schemas.microsoft.com/office/drawing/2010/main">
+        <mc:Choice Requires="a14">
           <p:sp>
             <p:nvSpPr>
               <p:cNvPr id="96" name="文本框 95">
@@ -26665,16 +26361,7 @@
                             </a:solidFill>
                             <a:latin typeface="Cambria Math" panose="02040503050406030204" pitchFamily="18" charset="0"/>
                           </a:rPr>
-                          <m:t>+</m:t>
-                        </m:r>
-                        <m:r>
-                          <a:rPr lang="ar-AE" altLang="zh-CN" sz="1100">
-                            <a:solidFill>
-                              <a:schemeClr val="bg1"/>
-                            </a:solidFill>
-                            <a:latin typeface="Cambria Math" panose="02040503050406030204" pitchFamily="18" charset="0"/>
-                          </a:rPr>
-                          <m:t>1</m:t>
+                          <m:t>+1</m:t>
                         </m:r>
                       </m:sub>
                     </m:sSub>
@@ -26765,16 +26452,7 @@
                                   </a:solidFill>
                                   <a:latin typeface="Cambria Math" panose="02040503050406030204" pitchFamily="18" charset="0"/>
                                 </a:rPr>
-                                <m:t>+</m:t>
-                              </m:r>
-                              <m:r>
-                                <a:rPr lang="en-US" altLang="zh-CN" sz="1100" b="0" i="1" smtClean="0">
-                                  <a:solidFill>
-                                    <a:schemeClr val="bg1"/>
-                                  </a:solidFill>
-                                  <a:latin typeface="Cambria Math" panose="02040503050406030204" pitchFamily="18" charset="0"/>
-                                </a:rPr>
-                                <m:t>1</m:t>
+                                <m:t>+1</m:t>
                               </m:r>
                             </m:sub>
                           </m:sSub>
@@ -26872,16 +26550,7 @@
                                       </a:solidFill>
                                       <a:latin typeface="Cambria Math" panose="02040503050406030204" pitchFamily="18" charset="0"/>
                                     </a:rPr>
-                                    <m:t>+</m:t>
-                                  </m:r>
-                                  <m:r>
-                                    <a:rPr lang="en-US" altLang="zh-CN" sz="1100" b="0" i="1" smtClean="0">
-                                      <a:solidFill>
-                                        <a:schemeClr val="bg1"/>
-                                      </a:solidFill>
-                                      <a:latin typeface="Cambria Math" panose="02040503050406030204" pitchFamily="18" charset="0"/>
-                                    </a:rPr>
-                                    <m:t>1</m:t>
+                                    <m:t>+1</m:t>
                                   </m:r>
                                 </m:sub>
                               </m:sSub>
@@ -27092,16 +26761,7 @@
                                   </a:solidFill>
                                   <a:latin typeface="Cambria Math" panose="02040503050406030204" pitchFamily="18" charset="0"/>
                                 </a:rPr>
-                                <m:t>+</m:t>
-                              </m:r>
-                              <m:r>
-                                <a:rPr lang="en-US" altLang="zh-CN" sz="1100" b="0" i="1" smtClean="0">
-                                  <a:solidFill>
-                                    <a:schemeClr val="bg1"/>
-                                  </a:solidFill>
-                                  <a:latin typeface="Cambria Math" panose="02040503050406030204" pitchFamily="18" charset="0"/>
-                                </a:rPr>
-                                <m:t>1</m:t>
+                                <m:t>+1</m:t>
                               </m:r>
                             </m:sub>
                           </m:sSub>
@@ -27190,16 +26850,7 @@
                                           </a:solidFill>
                                           <a:latin typeface="Cambria Math" panose="02040503050406030204" pitchFamily="18" charset="0"/>
                                         </a:rPr>
-                                        <m:t>+</m:t>
-                                      </m:r>
-                                      <m:r>
-                                        <a:rPr lang="en-US" altLang="zh-CN" sz="1100" b="0" i="1" smtClean="0">
-                                          <a:solidFill>
-                                            <a:schemeClr val="bg1"/>
-                                          </a:solidFill>
-                                          <a:latin typeface="Cambria Math" panose="02040503050406030204" pitchFamily="18" charset="0"/>
-                                        </a:rPr>
-                                        <m:t>1</m:t>
+                                        <m:t>+1</m:t>
                                       </m:r>
                                     </m:sub>
                                   </m:sSub>
@@ -27471,16 +27122,7 @@
                                               </a:solidFill>
                                               <a:latin typeface="Cambria Math" panose="02040503050406030204" pitchFamily="18" charset="0"/>
                                             </a:rPr>
-                                            <m:t>+</m:t>
-                                          </m:r>
-                                          <m:r>
-                                            <a:rPr lang="en-US" altLang="zh-CN" sz="1100" b="0" i="1" smtClean="0">
-                                              <a:solidFill>
-                                                <a:schemeClr val="bg1"/>
-                                              </a:solidFill>
-                                              <a:latin typeface="Cambria Math" panose="02040503050406030204" pitchFamily="18" charset="0"/>
-                                            </a:rPr>
-                                            <m:t>1</m:t>
+                                            <m:t>+1</m:t>
                                           </m:r>
                                         </m:sub>
                                       </m:sSub>
@@ -27800,16 +27442,7 @@
                                           </a:solidFill>
                                           <a:latin typeface="Cambria Math" panose="02040503050406030204" pitchFamily="18" charset="0"/>
                                         </a:rPr>
-                                        <m:t>+</m:t>
-                                      </m:r>
-                                      <m:r>
-                                        <a:rPr lang="en-US" altLang="zh-CN" sz="1100" b="0" i="1" smtClean="0">
-                                          <a:solidFill>
-                                            <a:schemeClr val="bg1"/>
-                                          </a:solidFill>
-                                          <a:latin typeface="Cambria Math" panose="02040503050406030204" pitchFamily="18" charset="0"/>
-                                        </a:rPr>
-                                        <m:t>1</m:t>
+                                        <m:t>+1</m:t>
                                       </m:r>
                                     </m:sub>
                                   </m:sSub>
@@ -27925,16 +27558,7 @@
                                                           </a:solidFill>
                                                           <a:latin typeface="Cambria Math" panose="02040503050406030204" pitchFamily="18" charset="0"/>
                                                         </a:rPr>
-                                                        <m:t>+</m:t>
-                                                      </m:r>
-                                                      <m:r>
-                                                        <a:rPr lang="en-US" altLang="zh-CN" sz="1100" b="0" i="1" smtClean="0">
-                                                          <a:solidFill>
-                                                            <a:schemeClr val="bg1"/>
-                                                          </a:solidFill>
-                                                          <a:latin typeface="Cambria Math" panose="02040503050406030204" pitchFamily="18" charset="0"/>
-                                                        </a:rPr>
-                                                        <m:t>1</m:t>
+                                                        <m:t>+1</m:t>
                                                       </m:r>
                                                     </m:sub>
                                                   </m:sSub>
@@ -28721,16 +28345,7 @@
                                   </a:solidFill>
                                   <a:latin typeface="Cambria Math" panose="02040503050406030204" pitchFamily="18" charset="0"/>
                                 </a:rPr>
-                                <m:t>+</m:t>
-                              </m:r>
-                              <m:r>
-                                <a:rPr lang="ar-AE" altLang="zh-CN" sz="1100">
-                                  <a:solidFill>
-                                    <a:schemeClr val="bg1"/>
-                                  </a:solidFill>
-                                  <a:latin typeface="Cambria Math" panose="02040503050406030204" pitchFamily="18" charset="0"/>
-                                </a:rPr>
-                                <m:t>1</m:t>
+                                <m:t>+1</m:t>
                               </m:r>
                             </m:e>
                           </m:d>
@@ -29165,7 +28780,7 @@
             </p:txBody>
           </p:sp>
         </mc:Choice>
-        <mc:Fallback>
+        <mc:Fallback xmlns="">
           <p:sp>
             <p:nvSpPr>
               <p:cNvPr id="96" name="文本框 95">
